--- a/market/tdRPA架构.pptx
+++ b/market/tdRPA架构.pptx
@@ -3306,8 +3306,16 @@
           <a:p>
             <a:pPr algn="ctr"/>
             <a:r>
+              <a:rPr lang="en-US" altLang="zh-CN" dirty="0" err="1"/>
+              <a:t>tdSelector</a:t>
+            </a:r>
+            <a:r>
+              <a:rPr lang="en-US" altLang="zh-CN" dirty="0"/>
+              <a:t> </a:t>
+            </a:r>
+            <a:r>
               <a:rPr lang="en-US" altLang="zh-CN" dirty="0" smtClean="0"/>
-              <a:t>Selector - UI</a:t>
+              <a:t>- UI</a:t>
             </a:r>
             <a:r>
               <a:rPr lang="zh-CN" altLang="en-US" dirty="0" smtClean="0"/>
@@ -3354,8 +3362,16 @@
           <a:p>
             <a:pPr algn="ctr"/>
             <a:r>
+              <a:rPr lang="en-US" altLang="zh-CN" dirty="0" err="1"/>
+              <a:t>tdLocator</a:t>
+            </a:r>
+            <a:r>
+              <a:rPr lang="en-US" altLang="zh-CN" dirty="0"/>
+              <a:t> </a:t>
+            </a:r>
+            <a:r>
               <a:rPr lang="en-US" altLang="zh-CN" dirty="0" smtClean="0"/>
-              <a:t>Locator - UI</a:t>
+              <a:t>- UI</a:t>
             </a:r>
             <a:r>
               <a:rPr lang="zh-CN" altLang="en-US" dirty="0" smtClean="0"/>
@@ -3405,9 +3421,10 @@
           <a:p>
             <a:pPr algn="ctr"/>
             <a:r>
-              <a:rPr lang="en-US" altLang="zh-CN" dirty="0" smtClean="0"/>
-              <a:t>Worker</a:t>
-            </a:r>
+              <a:rPr lang="en-US" altLang="zh-CN" dirty="0" err="1"/>
+              <a:t>tdWorker</a:t>
+            </a:r>
+            <a:endParaRPr lang="en-US" altLang="zh-CN" dirty="0" smtClean="0"/>
           </a:p>
           <a:p>
             <a:pPr algn="ctr"/>
@@ -3506,8 +3523,8 @@
           <a:p>
             <a:pPr algn="ctr"/>
             <a:r>
-              <a:rPr lang="en-US" altLang="zh-CN" dirty="0" smtClean="0"/>
-              <a:t>Power</a:t>
+              <a:rPr lang="en-US" altLang="zh-CN" dirty="0" err="1"/>
+              <a:t>tdPower</a:t>
             </a:r>
             <a:endParaRPr lang="en-US" altLang="zh-CN" dirty="0" smtClean="0"/>
           </a:p>

--- a/market/tdRPA架构.pptx
+++ b/market/tdRPA架构.pptx
@@ -3024,22 +3024,6 @@
               </a:rPr>
               <a:t>应用</a:t>
             </a:r>
-            <a:endParaRPr lang="en-US" altLang="zh-CN" b="1" dirty="0" smtClean="0">
-              <a:solidFill>
-                <a:schemeClr val="tx1"/>
-              </a:solidFill>
-            </a:endParaRPr>
-          </a:p>
-          <a:p>
-            <a:pPr algn="ctr"/>
-            <a:r>
-              <a:rPr lang="zh-CN" altLang="en-US" b="1" dirty="0" smtClean="0">
-                <a:solidFill>
-                  <a:schemeClr val="tx1"/>
-                </a:solidFill>
-              </a:rPr>
-              <a:t>自动化</a:t>
-            </a:r>
             <a:endParaRPr lang="zh-CN" altLang="en-US" b="1" dirty="0">
               <a:solidFill>
                 <a:schemeClr val="tx1"/>
@@ -3103,22 +3087,6 @@
               </a:rPr>
               <a:t>应用</a:t>
             </a:r>
-            <a:endParaRPr lang="en-US" altLang="zh-CN" b="1" dirty="0" smtClean="0">
-              <a:solidFill>
-                <a:schemeClr val="tx1"/>
-              </a:solidFill>
-            </a:endParaRPr>
-          </a:p>
-          <a:p>
-            <a:pPr algn="ctr"/>
-            <a:r>
-              <a:rPr lang="zh-CN" altLang="en-US" b="1" dirty="0" smtClean="0">
-                <a:solidFill>
-                  <a:schemeClr val="tx1"/>
-                </a:solidFill>
-              </a:rPr>
-              <a:t>自动化</a:t>
-            </a:r>
             <a:endParaRPr lang="zh-CN" altLang="en-US" b="1" dirty="0">
               <a:solidFill>
                 <a:schemeClr val="tx1"/>
@@ -3181,22 +3149,6 @@
                 </a:solidFill>
               </a:rPr>
               <a:t>应用</a:t>
-            </a:r>
-            <a:endParaRPr lang="en-US" altLang="zh-CN" b="1" dirty="0" smtClean="0">
-              <a:solidFill>
-                <a:schemeClr val="tx1"/>
-              </a:solidFill>
-            </a:endParaRPr>
-          </a:p>
-          <a:p>
-            <a:pPr algn="ctr"/>
-            <a:r>
-              <a:rPr lang="zh-CN" altLang="en-US" b="1" dirty="0" smtClean="0">
-                <a:solidFill>
-                  <a:schemeClr val="tx1"/>
-                </a:solidFill>
-              </a:rPr>
-              <a:t>自动化</a:t>
             </a:r>
             <a:endParaRPr lang="zh-CN" altLang="en-US" b="1" dirty="0">
               <a:solidFill>
